--- a/pub/Education/ASP2016/AfricaGridSchoolMaterials/Intro_Anal_Ex_skubic_16.pptx
+++ b/pub/Education/ASP2016/AfricaGridSchoolMaterials/Intro_Anal_Ex_skubic_16.pptx
@@ -215,7 +215,7 @@
             <a:fld id="{FFD9351E-39D2-408B-953C-061215381C0E}" type="datetimeFigureOut">
               <a:rPr lang="en-US" smtClean="0"/>
               <a:pPr/>
-              <a:t>8/16/16</a:t>
+              <a:t>8/18/16</a:t>
             </a:fld>
             <a:endParaRPr lang="en-US"/>
           </a:p>
@@ -387,7 +387,7 @@
             <a:fld id="{22CABBE9-C9C6-46DE-8D54-D13C80DFF90B}" type="datetimeFigureOut">
               <a:rPr lang="en-US" smtClean="0"/>
               <a:pPr/>
-              <a:t>8/16/16</a:t>
+              <a:t>8/18/16</a:t>
             </a:fld>
             <a:endParaRPr lang="en-US"/>
           </a:p>
@@ -16110,6 +16110,13 @@
   <p:clrMapOvr>
     <a:masterClrMapping/>
   </p:clrMapOvr>
+  <p:timing>
+    <p:tnLst>
+      <p:par>
+        <p:cTn xmlns:p14="http://schemas.microsoft.com/office/powerpoint/2010/main" id="1" dur="indefinite" restart="never" nodeType="tmRoot"/>
+      </p:par>
+    </p:tnLst>
+  </p:timing>
 </p:sld>
 </file>
 
@@ -16198,11 +16205,7 @@
             </a:r>
             <a:r>
               <a:rPr lang="en-US" dirty="0" smtClean="0"/>
-              <a:t> </a:t>
-            </a:r>
-            <a:r>
-              <a:rPr lang="en-US" dirty="0" smtClean="0"/>
-              <a:t>with associated variables such as energy and transverse momentum</a:t>
+              <a:t> with associated variables such as energy and transverse momentum</a:t>
             </a:r>
           </a:p>
           <a:p>
@@ -16394,11 +16397,7 @@
           <a:p>
             <a:r>
               <a:rPr lang="en-US" dirty="0" smtClean="0"/>
-              <a:t>Macro </a:t>
-            </a:r>
-            <a:r>
-              <a:rPr lang="en-US" dirty="0" smtClean="0"/>
-              <a:t>to </a:t>
+              <a:t>Macro to </a:t>
             </a:r>
             <a:r>
               <a:rPr lang="en-US" dirty="0"/>
@@ -16767,11 +16766,7 @@
             </a:r>
             <a:r>
               <a:rPr lang="en-US" dirty="0" smtClean="0"/>
-              <a:t>or</a:t>
-            </a:r>
-            <a:r>
-              <a:rPr lang="en-US" dirty="0" smtClean="0"/>
-              <a:t> </a:t>
+              <a:t>or </a:t>
             </a:r>
             <a:r>
               <a:rPr lang="en-US" dirty="0"/>
@@ -17664,11 +17659,6 @@
               </a:rPr>
               <a:t>.q</a:t>
             </a:r>
-            <a:endParaRPr lang="en-US" dirty="0" smtClean="0">
-              <a:solidFill>
-                <a:srgbClr val="FF0000"/>
-              </a:solidFill>
-            </a:endParaRPr>
           </a:p>
           <a:p>
             <a:pPr>
@@ -18142,12 +18132,13 @@
               <a:t>We would welcome applications from ASP2016 participants (see: </a:t>
             </a:r>
             <a:r>
-              <a:rPr lang="en-US" dirty="0" err="1" smtClean="0">
+              <a:rPr lang="en-US" dirty="0" smtClean="0">
                 <a:solidFill>
                   <a:srgbClr val="0000FF"/>
                 </a:solidFill>
+                <a:hlinkClick r:id="rId2"/>
               </a:rPr>
-              <a:t>www.nhn.ou.edu</a:t>
+              <a:t>http://www.nhn.ou.edu</a:t>
             </a:r>
             <a:r>
               <a:rPr lang="en-US" dirty="0" smtClean="0"/>
@@ -18237,6 +18228,13 @@
   <p:clrMapOvr>
     <a:masterClrMapping/>
   </p:clrMapOvr>
+  <p:timing>
+    <p:tnLst>
+      <p:par>
+        <p:cTn xmlns:p14="http://schemas.microsoft.com/office/powerpoint/2010/main" id="1" dur="indefinite" restart="never" nodeType="tmRoot"/>
+      </p:par>
+    </p:tnLst>
+  </p:timing>
 </p:sld>
 </file>
 
@@ -18470,6 +18468,13 @@
   <p:clrMapOvr>
     <a:masterClrMapping/>
   </p:clrMapOvr>
+  <p:timing>
+    <p:tnLst>
+      <p:par>
+        <p:cTn xmlns:p14="http://schemas.microsoft.com/office/powerpoint/2010/main" id="1" dur="indefinite" restart="never" nodeType="tmRoot"/>
+      </p:par>
+    </p:tnLst>
+  </p:timing>
 </p:sld>
 </file>
 
@@ -18513,31 +18518,7 @@
                   <a:srgbClr val="002060"/>
                 </a:solidFill>
               </a:rPr>
-              <a:t>Typical data analysis </a:t>
-            </a:r>
-            <a:r>
-              <a:rPr lang="en-US" dirty="0" smtClean="0">
-                <a:solidFill>
-                  <a:srgbClr val="002060"/>
-                </a:solidFill>
-              </a:rPr>
-              <a:t>tasks</a:t>
-            </a:r>
-            <a:r>
-              <a:rPr lang="en-US" dirty="0" smtClean="0">
-                <a:solidFill>
-                  <a:srgbClr val="002060"/>
-                </a:solidFill>
-              </a:rPr>
-              <a:t> </a:t>
-            </a:r>
-            <a:r>
-              <a:rPr lang="en-US" dirty="0" smtClean="0">
-                <a:solidFill>
-                  <a:srgbClr val="002060"/>
-                </a:solidFill>
-              </a:rPr>
-              <a:t>in </a:t>
+              <a:t>Typical data analysis tasks in </a:t>
             </a:r>
             <a:br>
               <a:rPr lang="en-US" dirty="0" smtClean="0">
@@ -18581,71 +18562,31 @@
           <a:p>
             <a:r>
               <a:rPr lang="en-US" dirty="0" smtClean="0"/>
-              <a:t>Task</a:t>
-            </a:r>
+              <a:t>Task 1: create files containing simulated data</a:t>
+            </a:r>
+          </a:p>
+          <a:p>
             <a:r>
               <a:rPr lang="en-US" dirty="0" smtClean="0"/>
-              <a:t> </a:t>
-            </a:r>
+              <a:t>Task 2: analyze simulated data</a:t>
+            </a:r>
+          </a:p>
+          <a:p>
             <a:r>
               <a:rPr lang="en-US" dirty="0" smtClean="0"/>
-              <a:t>1: create files containing simulated data</a:t>
+              <a:t>Task 3: collect real data from detector</a:t>
             </a:r>
           </a:p>
           <a:p>
             <a:r>
               <a:rPr lang="en-US" dirty="0" smtClean="0"/>
-              <a:t>Task</a:t>
-            </a:r>
+              <a:t>Task 4: analyze real data</a:t>
+            </a:r>
+          </a:p>
+          <a:p>
             <a:r>
               <a:rPr lang="en-US" dirty="0" smtClean="0"/>
-              <a:t> </a:t>
-            </a:r>
-            <a:r>
-              <a:rPr lang="en-US" dirty="0" smtClean="0"/>
-              <a:t>2: analyze simulated data</a:t>
-            </a:r>
-          </a:p>
-          <a:p>
-            <a:r>
-              <a:rPr lang="en-US" dirty="0" smtClean="0"/>
-              <a:t>Task</a:t>
-            </a:r>
-            <a:r>
-              <a:rPr lang="en-US" dirty="0" smtClean="0"/>
-              <a:t> </a:t>
-            </a:r>
-            <a:r>
-              <a:rPr lang="en-US" dirty="0" smtClean="0"/>
-              <a:t>3: collect real data from detector</a:t>
-            </a:r>
-          </a:p>
-          <a:p>
-            <a:r>
-              <a:rPr lang="en-US" dirty="0" smtClean="0"/>
-              <a:t>Task</a:t>
-            </a:r>
-            <a:r>
-              <a:rPr lang="en-US" dirty="0" smtClean="0"/>
-              <a:t> </a:t>
-            </a:r>
-            <a:r>
-              <a:rPr lang="en-US" dirty="0" smtClean="0"/>
-              <a:t>4: analyze real data</a:t>
-            </a:r>
-          </a:p>
-          <a:p>
-            <a:r>
-              <a:rPr lang="en-US" dirty="0" smtClean="0"/>
-              <a:t>Task</a:t>
-            </a:r>
-            <a:r>
-              <a:rPr lang="en-US" dirty="0" smtClean="0"/>
-              <a:t> </a:t>
-            </a:r>
-            <a:r>
-              <a:rPr lang="en-US" dirty="0" smtClean="0"/>
-              <a:t>5: compare simulation with real data</a:t>
+              <a:t>Task 5: compare simulation with real data</a:t>
             </a:r>
           </a:p>
           <a:p>
@@ -18703,19 +18644,7 @@
           <a:p>
             <a:r>
               <a:rPr lang="en-US" dirty="0" smtClean="0"/>
-              <a:t>We will illustrate </a:t>
-            </a:r>
-            <a:r>
-              <a:rPr lang="en-US" dirty="0" smtClean="0"/>
-              <a:t>tasks</a:t>
-            </a:r>
-            <a:r>
-              <a:rPr lang="en-US" dirty="0" smtClean="0"/>
-              <a:t> </a:t>
-            </a:r>
-            <a:r>
-              <a:rPr lang="en-US" dirty="0" smtClean="0"/>
-              <a:t>1, 2, </a:t>
+              <a:t>We will illustrate tasks 1, 2, </a:t>
             </a:r>
             <a:r>
               <a:rPr lang="en-US" dirty="0" smtClean="0">
@@ -19275,15 +19204,7 @@
                   <a:srgbClr val="002060"/>
                 </a:solidFill>
               </a:rPr>
-              <a:t>Condor submission </a:t>
-            </a:r>
-            <a:r>
-              <a:rPr lang="en-US" dirty="0" smtClean="0">
-                <a:solidFill>
-                  <a:srgbClr val="002060"/>
-                </a:solidFill>
-              </a:rPr>
-              <a:t>script </a:t>
+              <a:t>Condor submission script </a:t>
             </a:r>
             <a:br>
               <a:rPr lang="en-US" dirty="0" smtClean="0">
